--- a/Final Trading presentation– Sem 2.pptx
+++ b/Final Trading presentation– Sem 2.pptx
@@ -18,8 +18,8 @@
     <p:sldId id="268" r:id="rId12"/>
     <p:sldId id="269" r:id="rId13"/>
     <p:sldId id="273" r:id="rId14"/>
-    <p:sldId id="272" r:id="rId15"/>
-    <p:sldId id="271" r:id="rId16"/>
+    <p:sldId id="271" r:id="rId15"/>
+    <p:sldId id="272" r:id="rId16"/>
   </p:sldIdLst>
   <p:sldSz cx="12192000" cy="6858000"/>
   <p:notesSz cx="6858000" cy="9144000"/>
@@ -118,6 +118,11 @@
       </a:defRPr>
     </a:lvl9pPr>
   </p:defaultTextStyle>
+  <p:extLst>
+    <p:ext uri="{EFAFB233-063F-42B5-8137-9DF3F51BA10A}">
+      <p15:sldGuideLst xmlns:p15="http://schemas.microsoft.com/office/powerpoint/2012/main"/>
+    </p:ext>
+  </p:extLst>
 </p:presentation>
 </file>
 
@@ -134,7 +139,7 @@
   <pc:docChgLst>
     <pc:chgData name="Wai" userId="debf67db-a1f1-4015-a973-18e47c993b52" providerId="ADAL" clId="{15306498-9F37-41C3-8ECD-E01960CE89B0}"/>
     <pc:docChg chg="undo custSel addSld delSld modSld sldOrd">
-      <pc:chgData name="Wai" userId="debf67db-a1f1-4015-a973-18e47c993b52" providerId="ADAL" clId="{15306498-9F37-41C3-8ECD-E01960CE89B0}" dt="2022-10-02T08:58:27.064" v="1651" actId="20577"/>
+      <pc:chgData name="Wai" userId="debf67db-a1f1-4015-a973-18e47c993b52" providerId="ADAL" clId="{15306498-9F37-41C3-8ECD-E01960CE89B0}" dt="2022-10-02T14:56:48.190" v="1764" actId="1037"/>
       <pc:docMkLst>
         <pc:docMk/>
       </pc:docMkLst>
@@ -1020,8 +1025,8 @@
           </ac:picMkLst>
         </pc:picChg>
       </pc:sldChg>
-      <pc:sldChg chg="addSp delSp modSp add mod">
-        <pc:chgData name="Wai" userId="debf67db-a1f1-4015-a973-18e47c993b52" providerId="ADAL" clId="{15306498-9F37-41C3-8ECD-E01960CE89B0}" dt="2022-10-02T03:53:11.675" v="781" actId="255"/>
+      <pc:sldChg chg="addSp delSp modSp add mod ord">
+        <pc:chgData name="Wai" userId="debf67db-a1f1-4015-a973-18e47c993b52" providerId="ADAL" clId="{15306498-9F37-41C3-8ECD-E01960CE89B0}" dt="2022-10-02T14:56:48.190" v="1764" actId="1037"/>
         <pc:sldMkLst>
           <pc:docMk/>
           <pc:sldMk cId="3647046462" sldId="271"/>
@@ -1043,13 +1048,21 @@
           </ac:spMkLst>
         </pc:spChg>
         <pc:spChg chg="add mod">
-          <ac:chgData name="Wai" userId="debf67db-a1f1-4015-a973-18e47c993b52" providerId="ADAL" clId="{15306498-9F37-41C3-8ECD-E01960CE89B0}" dt="2022-10-02T03:53:11.675" v="781" actId="255"/>
+          <ac:chgData name="Wai" userId="debf67db-a1f1-4015-a973-18e47c993b52" providerId="ADAL" clId="{15306498-9F37-41C3-8ECD-E01960CE89B0}" dt="2022-10-02T14:46:39.252" v="1762" actId="20577"/>
           <ac:spMkLst>
             <pc:docMk/>
             <pc:sldMk cId="3647046462" sldId="271"/>
             <ac:spMk id="12" creationId="{70C9DA38-3750-A7E9-F5E0-6BE8DD6EB085}"/>
           </ac:spMkLst>
         </pc:spChg>
+        <pc:picChg chg="add mod">
+          <ac:chgData name="Wai" userId="debf67db-a1f1-4015-a973-18e47c993b52" providerId="ADAL" clId="{15306498-9F37-41C3-8ECD-E01960CE89B0}" dt="2022-10-02T14:56:48.190" v="1764" actId="1037"/>
+          <ac:picMkLst>
+            <pc:docMk/>
+            <pc:sldMk cId="3647046462" sldId="271"/>
+            <ac:picMk id="3" creationId="{30AC178F-D9F6-A764-2997-4ED9942F9813}"/>
+          </ac:picMkLst>
+        </pc:picChg>
         <pc:picChg chg="del">
           <ac:chgData name="Wai" userId="debf67db-a1f1-4015-a973-18e47c993b52" providerId="ADAL" clId="{15306498-9F37-41C3-8ECD-E01960CE89B0}" dt="2022-10-02T03:49:04.012" v="641" actId="478"/>
           <ac:picMkLst>
@@ -1082,8 +1095,8 @@
             <ac:picMk id="6" creationId="{5352ADE3-6363-AA15-AFB8-010516F33657}"/>
           </ac:picMkLst>
         </pc:picChg>
-        <pc:picChg chg="add mod">
-          <ac:chgData name="Wai" userId="debf67db-a1f1-4015-a973-18e47c993b52" providerId="ADAL" clId="{15306498-9F37-41C3-8ECD-E01960CE89B0}" dt="2022-10-02T03:51:50.696" v="714" actId="1076"/>
+        <pc:picChg chg="add del mod">
+          <ac:chgData name="Wai" userId="debf67db-a1f1-4015-a973-18e47c993b52" providerId="ADAL" clId="{15306498-9F37-41C3-8ECD-E01960CE89B0}" dt="2022-10-02T14:30:54.935" v="1652" actId="478"/>
           <ac:picMkLst>
             <pc:docMk/>
             <pc:sldMk cId="3647046462" sldId="271"/>
@@ -6503,109 +6516,53 @@
                 </a:solidFill>
                 <a:latin typeface="Calibri" panose="020F0502020204030204" pitchFamily="34" charset="0"/>
                 <a:ea typeface="Calibri" panose="020F0502020204030204" pitchFamily="34" charset="0"/>
+                <a:cs typeface="Times New Roman" panose="02020603050405020304" pitchFamily="18" charset="0"/>
               </a:rPr>
-              <a:t>Limitations/Challenges</a:t>
-            </a:r>
-            <a:endParaRPr lang="en-HK" sz="2800" dirty="0">
-              <a:solidFill>
-                <a:schemeClr val="bg1"/>
-              </a:solidFill>
-              <a:latin typeface="Calibri" panose="020F0502020204030204" pitchFamily="34" charset="0"/>
-              <a:ea typeface="Calibri" panose="020F0502020204030204" pitchFamily="34" charset="0"/>
-              <a:cs typeface="Times New Roman" panose="02020603050405020304" pitchFamily="18" charset="0"/>
-            </a:endParaRPr>
-          </a:p>
-        </p:txBody>
-      </p:sp>
-      <p:sp>
-        <p:nvSpPr>
-          <p:cNvPr id="4" name="TextBox 3">
-            <a:extLst>
-              <a:ext uri="{FF2B5EF4-FFF2-40B4-BE49-F238E27FC236}">
-                <a16:creationId xmlns:a16="http://schemas.microsoft.com/office/drawing/2014/main" id="{E25D4936-9EDD-7092-D06E-887C2E501992}"/>
-              </a:ext>
-            </a:extLst>
-          </p:cNvPr>
-          <p:cNvSpPr txBox="1"/>
+              <a:t>Future-exploration</a:t>
+            </a:r>
+          </a:p>
+        </p:txBody>
+      </p:sp>
+      <p:pic>
+        <p:nvPicPr>
+          <p:cNvPr id="3" name="Picture 2" descr="Chart, bar chart, waterfall chart&#10;&#10;Description automatically generated">
+            <a:extLst>
+              <a:ext uri="{FF2B5EF4-FFF2-40B4-BE49-F238E27FC236}">
+                <a16:creationId xmlns:a16="http://schemas.microsoft.com/office/drawing/2014/main" id="{30AC178F-D9F6-A764-2997-4ED9942F9813}"/>
+              </a:ext>
+            </a:extLst>
+          </p:cNvPr>
+          <p:cNvPicPr>
+            <a:picLocks noChangeAspect="1"/>
+          </p:cNvPicPr>
           <p:nvPr/>
-        </p:nvSpPr>
+        </p:nvPicPr>
+        <p:blipFill>
+          <a:blip r:embed="rId2">
+            <a:extLst>
+              <a:ext uri="{28A0092B-C50C-407E-A947-70E740481C1C}">
+                <a14:useLocalDpi xmlns:a14="http://schemas.microsoft.com/office/drawing/2010/main" val="0"/>
+              </a:ext>
+            </a:extLst>
+          </a:blip>
+          <a:stretch>
+            <a:fillRect/>
+          </a:stretch>
+        </p:blipFill>
         <p:spPr>
           <a:xfrm>
-            <a:off x="4476514" y="1827245"/>
-            <a:ext cx="6706011" cy="2646878"/>
+            <a:off x="3623425" y="541758"/>
+            <a:ext cx="8013218" cy="5757706"/>
           </a:xfrm>
           <a:prstGeom prst="rect">
             <a:avLst/>
           </a:prstGeom>
-          <a:noFill/>
         </p:spPr>
-        <p:txBody>
-          <a:bodyPr wrap="square" rtlCol="0">
-            <a:spAutoFit/>
-          </a:bodyPr>
-          <a:lstStyle/>
-          <a:p>
-            <a:pPr marL="285750" indent="-285750">
-              <a:buFont typeface="Arial" panose="020B0604020202020204" pitchFamily="34" charset="0"/>
-              <a:buChar char="•"/>
-            </a:pPr>
-            <a:r>
-              <a:rPr lang="en-HK" sz="2800" dirty="0"/>
-              <a:t>Crashes/Algorithm running time</a:t>
-            </a:r>
-            <a:br>
-              <a:rPr lang="en-HK" sz="2800" dirty="0"/>
-            </a:br>
-            <a:endParaRPr lang="en-HK" sz="2800" dirty="0"/>
-          </a:p>
-          <a:p>
-            <a:pPr marL="285750" indent="-285750">
-              <a:buFont typeface="Arial" panose="020B0604020202020204" pitchFamily="34" charset="0"/>
-              <a:buChar char="•"/>
-            </a:pPr>
-            <a:r>
-              <a:rPr lang="en-HK" sz="2800" b="1" dirty="0">
-                <a:effectLst/>
-                <a:latin typeface="Calibri Light" panose="020F0302020204030204" pitchFamily="34" charset="0"/>
-                <a:ea typeface="DengXian Light" panose="02010600030101010101" pitchFamily="2" charset="-122"/>
-                <a:cs typeface="Calibri Light" panose="020F0302020204030204" pitchFamily="34" charset="0"/>
-              </a:rPr>
-              <a:t>Using backup model since previous machine learning model failed (Time limitations)</a:t>
-            </a:r>
-            <a:endParaRPr lang="en-HK" sz="2800" b="1" dirty="0">
-              <a:effectLst/>
-              <a:latin typeface="Calibri Light" panose="020F0302020204030204" pitchFamily="34" charset="0"/>
-              <a:ea typeface="DengXian Light" panose="02010600030101010101" pitchFamily="2" charset="-122"/>
-              <a:cs typeface="Times New Roman" panose="02020603050405020304" pitchFamily="18" charset="0"/>
-            </a:endParaRPr>
-          </a:p>
-          <a:p>
-            <a:pPr marL="285750" indent="-285750">
-              <a:buFont typeface="Arial" panose="020B0604020202020204" pitchFamily="34" charset="0"/>
-              <a:buChar char="•"/>
-            </a:pPr>
-            <a:endParaRPr lang="en-HK" dirty="0"/>
-          </a:p>
-          <a:p>
-            <a:pPr marL="285750" indent="-285750">
-              <a:buFont typeface="Arial" panose="020B0604020202020204" pitchFamily="34" charset="0"/>
-              <a:buChar char="•"/>
-            </a:pPr>
-            <a:endParaRPr lang="en-HK" dirty="0"/>
-          </a:p>
-          <a:p>
-            <a:pPr marL="285750" indent="-285750" algn="ctr">
-              <a:buFont typeface="Arial" panose="020B0604020202020204" pitchFamily="34" charset="0"/>
-              <a:buChar char="•"/>
-            </a:pPr>
-            <a:endParaRPr lang="en-HK" dirty="0"/>
-          </a:p>
-        </p:txBody>
-      </p:sp>
+      </p:pic>
     </p:spTree>
     <p:extLst>
       <p:ext uri="{BB962C8B-B14F-4D97-AF65-F5344CB8AC3E}">
-        <p14:creationId xmlns:p14="http://schemas.microsoft.com/office/powerpoint/2010/main" val="3710932181"/>
+        <p14:creationId xmlns:p14="http://schemas.microsoft.com/office/powerpoint/2010/main" val="3647046462"/>
       </p:ext>
     </p:extLst>
   </p:cSld>
@@ -6732,42 +6689,6 @@
           </a:p>
         </p:txBody>
       </p:sp>
-      <p:pic>
-        <p:nvPicPr>
-          <p:cNvPr id="8" name="Picture 7" descr="Chart, scatter chart&#10;&#10;Description automatically generated">
-            <a:extLst>
-              <a:ext uri="{FF2B5EF4-FFF2-40B4-BE49-F238E27FC236}">
-                <a16:creationId xmlns:a16="http://schemas.microsoft.com/office/drawing/2014/main" id="{3E8B31C8-30C2-5E38-9D40-F299E0681344}"/>
-              </a:ext>
-            </a:extLst>
-          </p:cNvPr>
-          <p:cNvPicPr>
-            <a:picLocks noChangeAspect="1"/>
-          </p:cNvPicPr>
-          <p:nvPr/>
-        </p:nvPicPr>
-        <p:blipFill>
-          <a:blip r:embed="rId2">
-            <a:extLst>
-              <a:ext uri="{28A0092B-C50C-407E-A947-70E740481C1C}">
-                <a14:useLocalDpi xmlns:a14="http://schemas.microsoft.com/office/drawing/2010/main" val="0"/>
-              </a:ext>
-            </a:extLst>
-          </a:blip>
-          <a:stretch>
-            <a:fillRect/>
-          </a:stretch>
-        </p:blipFill>
-        <p:spPr>
-          <a:xfrm>
-            <a:off x="3633422" y="1296954"/>
-            <a:ext cx="8328641" cy="4264091"/>
-          </a:xfrm>
-          <a:prstGeom prst="rect">
-            <a:avLst/>
-          </a:prstGeom>
-        </p:spPr>
-      </p:pic>
       <p:sp>
         <p:nvSpPr>
           <p:cNvPr id="12" name="Title 1">
@@ -6836,7 +6757,7 @@
                 <a:latin typeface="Calibri" panose="020F0502020204030204" pitchFamily="34" charset="0"/>
                 <a:ea typeface="Calibri" panose="020F0502020204030204" pitchFamily="34" charset="0"/>
               </a:rPr>
-              <a:t>Future - </a:t>
+              <a:t>Limitations/Challenges</a:t>
             </a:r>
             <a:endParaRPr lang="en-HK" sz="2800" dirty="0">
               <a:solidFill>
@@ -6847,30 +6768,97 @@
               <a:cs typeface="Times New Roman" panose="02020603050405020304" pitchFamily="18" charset="0"/>
             </a:endParaRPr>
           </a:p>
-          <a:p>
-            <a:pPr algn="ctr">
-              <a:spcAft>
-                <a:spcPts val="1000"/>
-              </a:spcAft>
+        </p:txBody>
+      </p:sp>
+      <p:sp>
+        <p:nvSpPr>
+          <p:cNvPr id="4" name="TextBox 3">
+            <a:extLst>
+              <a:ext uri="{FF2B5EF4-FFF2-40B4-BE49-F238E27FC236}">
+                <a16:creationId xmlns:a16="http://schemas.microsoft.com/office/drawing/2014/main" id="{E25D4936-9EDD-7092-D06E-887C2E501992}"/>
+              </a:ext>
+            </a:extLst>
+          </p:cNvPr>
+          <p:cNvSpPr txBox="1"/>
+          <p:nvPr/>
+        </p:nvSpPr>
+        <p:spPr>
+          <a:xfrm>
+            <a:off x="4476514" y="1827245"/>
+            <a:ext cx="6706011" cy="2646878"/>
+          </a:xfrm>
+          <a:prstGeom prst="rect">
+            <a:avLst/>
+          </a:prstGeom>
+          <a:noFill/>
+        </p:spPr>
+        <p:txBody>
+          <a:bodyPr wrap="square" rtlCol="0">
+            <a:spAutoFit/>
+          </a:bodyPr>
+          <a:lstStyle/>
+          <a:p>
+            <a:pPr marL="285750" indent="-285750">
+              <a:buFont typeface="Arial" panose="020B0604020202020204" pitchFamily="34" charset="0"/>
+              <a:buChar char="•"/>
             </a:pPr>
             <a:r>
-              <a:rPr lang="en-HK" sz="2800" dirty="0">
-                <a:solidFill>
-                  <a:schemeClr val="bg1"/>
-                </a:solidFill>
-                <a:latin typeface="Calibri" panose="020F0502020204030204" pitchFamily="34" charset="0"/>
-                <a:ea typeface="Calibri" panose="020F0502020204030204" pitchFamily="34" charset="0"/>
-                <a:cs typeface="Times New Roman" panose="02020603050405020304" pitchFamily="18" charset="0"/>
+              <a:rPr lang="en-HK" sz="2800" dirty="0"/>
+              <a:t>Crashes/Algorithm running time</a:t>
+            </a:r>
+            <a:br>
+              <a:rPr lang="en-HK" sz="2800" dirty="0"/>
+            </a:br>
+            <a:endParaRPr lang="en-HK" sz="2800" dirty="0"/>
+          </a:p>
+          <a:p>
+            <a:pPr marL="285750" indent="-285750">
+              <a:buFont typeface="Arial" panose="020B0604020202020204" pitchFamily="34" charset="0"/>
+              <a:buChar char="•"/>
+            </a:pPr>
+            <a:r>
+              <a:rPr lang="en-HK" sz="2800" b="1" dirty="0">
+                <a:effectLst/>
+                <a:latin typeface="Calibri Light" panose="020F0302020204030204" pitchFamily="34" charset="0"/>
+                <a:ea typeface="DengXian Light" panose="02010600030101010101" pitchFamily="2" charset="-122"/>
+                <a:cs typeface="Calibri Light" panose="020F0302020204030204" pitchFamily="34" charset="0"/>
               </a:rPr>
-              <a:t>Exploration</a:t>
-            </a:r>
+              <a:t>Using backup model since previous machine learning model failed (Time limitations)</a:t>
+            </a:r>
+            <a:endParaRPr lang="en-HK" sz="2800" b="1" dirty="0">
+              <a:effectLst/>
+              <a:latin typeface="Calibri Light" panose="020F0302020204030204" pitchFamily="34" charset="0"/>
+              <a:ea typeface="DengXian Light" panose="02010600030101010101" pitchFamily="2" charset="-122"/>
+              <a:cs typeface="Times New Roman" panose="02020603050405020304" pitchFamily="18" charset="0"/>
+            </a:endParaRPr>
+          </a:p>
+          <a:p>
+            <a:pPr marL="285750" indent="-285750">
+              <a:buFont typeface="Arial" panose="020B0604020202020204" pitchFamily="34" charset="0"/>
+              <a:buChar char="•"/>
+            </a:pPr>
+            <a:endParaRPr lang="en-HK" dirty="0"/>
+          </a:p>
+          <a:p>
+            <a:pPr marL="285750" indent="-285750">
+              <a:buFont typeface="Arial" panose="020B0604020202020204" pitchFamily="34" charset="0"/>
+              <a:buChar char="•"/>
+            </a:pPr>
+            <a:endParaRPr lang="en-HK" dirty="0"/>
+          </a:p>
+          <a:p>
+            <a:pPr marL="285750" indent="-285750" algn="ctr">
+              <a:buFont typeface="Arial" panose="020B0604020202020204" pitchFamily="34" charset="0"/>
+              <a:buChar char="•"/>
+            </a:pPr>
+            <a:endParaRPr lang="en-HK" dirty="0"/>
           </a:p>
         </p:txBody>
       </p:sp>
     </p:spTree>
     <p:extLst>
       <p:ext uri="{BB962C8B-B14F-4D97-AF65-F5344CB8AC3E}">
-        <p14:creationId xmlns:p14="http://schemas.microsoft.com/office/powerpoint/2010/main" val="3647046462"/>
+        <p14:creationId xmlns:p14="http://schemas.microsoft.com/office/powerpoint/2010/main" val="3710932181"/>
       </p:ext>
     </p:extLst>
   </p:cSld>
